--- a/hackmd_tensorflow/RNN-unstack.pptx
+++ b/hackmd_tensorflow/RNN-unstack.pptx
@@ -105,6 +105,11 @@
       </a:defRPr>
     </a:lvl9pPr>
   </p:defaultTextStyle>
+  <p:extLst>
+    <p:ext uri="{EFAFB233-063F-42B5-8137-9DF3F51BA10A}">
+      <p15:sldGuideLst xmlns:p15="http://schemas.microsoft.com/office/powerpoint/2012/main"/>
+    </p:ext>
+  </p:extLst>
 </p:presentation>
 </file>
 
@@ -239,7 +244,7 @@
           <a:p>
             <a:fld id="{2B36B43A-F231-4DF3-B05F-4F3854BFA9FA}" type="datetimeFigureOut">
               <a:rPr lang="zh-TW" altLang="en-US" smtClean="0"/>
-              <a:t>2017/6/7</a:t>
+              <a:t>2017/6/18</a:t>
             </a:fld>
             <a:endParaRPr lang="zh-TW" altLang="en-US"/>
           </a:p>
@@ -409,7 +414,7 @@
           <a:p>
             <a:fld id="{2B36B43A-F231-4DF3-B05F-4F3854BFA9FA}" type="datetimeFigureOut">
               <a:rPr lang="zh-TW" altLang="en-US" smtClean="0"/>
-              <a:t>2017/6/7</a:t>
+              <a:t>2017/6/18</a:t>
             </a:fld>
             <a:endParaRPr lang="zh-TW" altLang="en-US"/>
           </a:p>
@@ -589,7 +594,7 @@
           <a:p>
             <a:fld id="{2B36B43A-F231-4DF3-B05F-4F3854BFA9FA}" type="datetimeFigureOut">
               <a:rPr lang="zh-TW" altLang="en-US" smtClean="0"/>
-              <a:t>2017/6/7</a:t>
+              <a:t>2017/6/18</a:t>
             </a:fld>
             <a:endParaRPr lang="zh-TW" altLang="en-US"/>
           </a:p>
@@ -759,7 +764,7 @@
           <a:p>
             <a:fld id="{2B36B43A-F231-4DF3-B05F-4F3854BFA9FA}" type="datetimeFigureOut">
               <a:rPr lang="zh-TW" altLang="en-US" smtClean="0"/>
-              <a:t>2017/6/7</a:t>
+              <a:t>2017/6/18</a:t>
             </a:fld>
             <a:endParaRPr lang="zh-TW" altLang="en-US"/>
           </a:p>
@@ -1005,7 +1010,7 @@
           <a:p>
             <a:fld id="{2B36B43A-F231-4DF3-B05F-4F3854BFA9FA}" type="datetimeFigureOut">
               <a:rPr lang="zh-TW" altLang="en-US" smtClean="0"/>
-              <a:t>2017/6/7</a:t>
+              <a:t>2017/6/18</a:t>
             </a:fld>
             <a:endParaRPr lang="zh-TW" altLang="en-US"/>
           </a:p>
@@ -1237,7 +1242,7 @@
           <a:p>
             <a:fld id="{2B36B43A-F231-4DF3-B05F-4F3854BFA9FA}" type="datetimeFigureOut">
               <a:rPr lang="zh-TW" altLang="en-US" smtClean="0"/>
-              <a:t>2017/6/7</a:t>
+              <a:t>2017/6/18</a:t>
             </a:fld>
             <a:endParaRPr lang="zh-TW" altLang="en-US"/>
           </a:p>
@@ -1604,7 +1609,7 @@
           <a:p>
             <a:fld id="{2B36B43A-F231-4DF3-B05F-4F3854BFA9FA}" type="datetimeFigureOut">
               <a:rPr lang="zh-TW" altLang="en-US" smtClean="0"/>
-              <a:t>2017/6/7</a:t>
+              <a:t>2017/6/18</a:t>
             </a:fld>
             <a:endParaRPr lang="zh-TW" altLang="en-US"/>
           </a:p>
@@ -1722,7 +1727,7 @@
           <a:p>
             <a:fld id="{2B36B43A-F231-4DF3-B05F-4F3854BFA9FA}" type="datetimeFigureOut">
               <a:rPr lang="zh-TW" altLang="en-US" smtClean="0"/>
-              <a:t>2017/6/7</a:t>
+              <a:t>2017/6/18</a:t>
             </a:fld>
             <a:endParaRPr lang="zh-TW" altLang="en-US"/>
           </a:p>
@@ -1817,7 +1822,7 @@
           <a:p>
             <a:fld id="{2B36B43A-F231-4DF3-B05F-4F3854BFA9FA}" type="datetimeFigureOut">
               <a:rPr lang="zh-TW" altLang="en-US" smtClean="0"/>
-              <a:t>2017/6/7</a:t>
+              <a:t>2017/6/18</a:t>
             </a:fld>
             <a:endParaRPr lang="zh-TW" altLang="en-US"/>
           </a:p>
@@ -2094,7 +2099,7 @@
           <a:p>
             <a:fld id="{2B36B43A-F231-4DF3-B05F-4F3854BFA9FA}" type="datetimeFigureOut">
               <a:rPr lang="zh-TW" altLang="en-US" smtClean="0"/>
-              <a:t>2017/6/7</a:t>
+              <a:t>2017/6/18</a:t>
             </a:fld>
             <a:endParaRPr lang="zh-TW" altLang="en-US"/>
           </a:p>
@@ -2347,7 +2352,7 @@
           <a:p>
             <a:fld id="{2B36B43A-F231-4DF3-B05F-4F3854BFA9FA}" type="datetimeFigureOut">
               <a:rPr lang="zh-TW" altLang="en-US" smtClean="0"/>
-              <a:t>2017/6/7</a:t>
+              <a:t>2017/6/18</a:t>
             </a:fld>
             <a:endParaRPr lang="zh-TW" altLang="en-US"/>
           </a:p>
@@ -2560,7 +2565,7 @@
           <a:p>
             <a:fld id="{2B36B43A-F231-4DF3-B05F-4F3854BFA9FA}" type="datetimeFigureOut">
               <a:rPr lang="zh-TW" altLang="en-US" smtClean="0"/>
-              <a:t>2017/6/7</a:t>
+              <a:t>2017/6/18</a:t>
             </a:fld>
             <a:endParaRPr lang="zh-TW" altLang="en-US"/>
           </a:p>
@@ -3627,31 +3632,15 @@
             </a:r>
             <a:r>
               <a:rPr lang="en-US" altLang="zh-TW" dirty="0" smtClean="0"/>
-              <a:t>[ </a:t>
+              <a:t>[ […]…]</a:t>
+            </a:r>
+            <a:r>
+              <a:rPr lang="zh-TW" altLang="en-US" dirty="0" smtClean="0"/>
+              <a:t> </a:t>
             </a:r>
             <a:r>
               <a:rPr lang="en-US" altLang="zh-TW" dirty="0" smtClean="0"/>
-              <a:t>[…]</a:t>
-            </a:r>
-            <a:r>
-              <a:rPr lang="en-US" altLang="zh-TW" dirty="0" smtClean="0"/>
-              <a:t>…]</a:t>
-            </a:r>
-            <a:r>
-              <a:rPr lang="zh-TW" altLang="en-US" dirty="0" smtClean="0"/>
-              <a:t> </a:t>
-            </a:r>
-            <a:r>
-              <a:rPr lang="en-US" altLang="zh-TW" dirty="0" smtClean="0"/>
-              <a:t>[ </a:t>
-            </a:r>
-            <a:r>
-              <a:rPr lang="en-US" altLang="zh-TW" dirty="0" smtClean="0"/>
-              <a:t>[…]</a:t>
-            </a:r>
-            <a:r>
-              <a:rPr lang="en-US" altLang="zh-TW" dirty="0" smtClean="0"/>
-              <a:t>…] …</a:t>
+              <a:t>[ […]…] …</a:t>
             </a:r>
             <a:r>
               <a:rPr lang="zh-TW" altLang="en-US" dirty="0" smtClean="0"/>
@@ -6996,11 +6985,11 @@
               <a:t>是</a:t>
             </a:r>
             <a:r>
-              <a:rPr lang="en-US" altLang="zh-TW" dirty="0" smtClean="0"/>
-              <a:t>array</a:t>
-            </a:r>
-            <a:r>
-              <a:rPr lang="zh-TW" altLang="en-US" dirty="0" smtClean="0"/>
+              <a:rPr lang="en-US" altLang="zh-TW" smtClean="0"/>
+              <a:t>list</a:t>
+            </a:r>
+            <a:r>
+              <a:rPr lang="zh-TW" altLang="en-US" smtClean="0"/>
               <a:t>的</a:t>
             </a:r>
             <a:r>
@@ -7287,13 +7276,41 @@
           <a:p>
             <a:r>
               <a:rPr lang="zh-TW" altLang="en-US" dirty="0" smtClean="0"/>
-              <a:t>是一個結構完整的</a:t>
-            </a:r>
-            <a:r>
-              <a:rPr lang="en-US" altLang="zh-TW" dirty="0" smtClean="0"/>
+              <a:t>是一個</a:t>
+            </a:r>
+            <a:r>
+              <a:rPr lang="zh-TW" altLang="en-US" b="1" i="1" u="sng" dirty="0" smtClean="0">
+                <a:effectLst>
+                  <a:outerShdw blurRad="38100" dist="38100" dir="2700000" algn="tl">
+                    <a:srgbClr val="000000">
+                      <a:alpha val="43137"/>
+                    </a:srgbClr>
+                  </a:outerShdw>
+                </a:effectLst>
+              </a:rPr>
+              <a:t>結構完整的</a:t>
+            </a:r>
+            <a:r>
+              <a:rPr lang="en-US" altLang="zh-TW" b="1" i="1" u="sng" dirty="0" smtClean="0">
+                <a:effectLst>
+                  <a:outerShdw blurRad="38100" dist="38100" dir="2700000" algn="tl">
+                    <a:srgbClr val="000000">
+                      <a:alpha val="43137"/>
+                    </a:srgbClr>
+                  </a:outerShdw>
+                </a:effectLst>
+              </a:rPr>
               <a:t>list</a:t>
             </a:r>
-            <a:endParaRPr lang="zh-TW" altLang="en-US" dirty="0"/>
+            <a:endParaRPr lang="zh-TW" altLang="en-US" b="1" i="1" u="sng" dirty="0">
+              <a:effectLst>
+                <a:outerShdw blurRad="38100" dist="38100" dir="2700000" algn="tl">
+                  <a:srgbClr val="000000">
+                    <a:alpha val="43137"/>
+                  </a:srgbClr>
+                </a:outerShdw>
+              </a:effectLst>
+            </a:endParaRPr>
           </a:p>
         </p:txBody>
       </p:sp>
@@ -7329,18 +7346,54 @@
             </a:r>
             <a:r>
               <a:rPr lang="zh-TW" altLang="en-US" dirty="0" smtClean="0"/>
-              <a:t>裡面會包著</a:t>
-            </a:r>
-            <a:r>
-              <a:rPr lang="en-US" altLang="zh-TW" dirty="0" smtClean="0"/>
+              <a:t>裡面會</a:t>
+            </a:r>
+            <a:r>
+              <a:rPr lang="zh-TW" altLang="en-US" b="1" i="1" u="sng" dirty="0" smtClean="0">
+                <a:effectLst>
+                  <a:outerShdw blurRad="38100" dist="38100" dir="2700000" algn="tl">
+                    <a:srgbClr val="000000">
+                      <a:alpha val="43137"/>
+                    </a:srgbClr>
+                  </a:outerShdw>
+                </a:effectLst>
+              </a:rPr>
+              <a:t>包著</a:t>
+            </a:r>
+            <a:r>
+              <a:rPr lang="en-US" altLang="zh-TW" b="1" i="1" u="sng" dirty="0" smtClean="0">
+                <a:effectLst>
+                  <a:outerShdw blurRad="38100" dist="38100" dir="2700000" algn="tl">
+                    <a:srgbClr val="000000">
+                      <a:alpha val="43137"/>
+                    </a:srgbClr>
+                  </a:outerShdw>
+                </a:effectLst>
+              </a:rPr>
               <a:t>list</a:t>
             </a:r>
             <a:r>
-              <a:rPr lang="zh-TW" altLang="en-US" dirty="0" smtClean="0"/>
+              <a:rPr lang="zh-TW" altLang="en-US" b="1" i="1" u="sng" dirty="0" smtClean="0">
+                <a:effectLst>
+                  <a:outerShdw blurRad="38100" dist="38100" dir="2700000" algn="tl">
+                    <a:srgbClr val="000000">
+                      <a:alpha val="43137"/>
+                    </a:srgbClr>
+                  </a:outerShdw>
+                </a:effectLst>
+              </a:rPr>
               <a:t>的</a:t>
             </a:r>
             <a:r>
-              <a:rPr lang="en-US" altLang="zh-TW" dirty="0" smtClean="0"/>
+              <a:rPr lang="en-US" altLang="zh-TW" b="1" i="1" u="sng" dirty="0" smtClean="0">
+                <a:effectLst>
+                  <a:outerShdw blurRad="38100" dist="38100" dir="2700000" algn="tl">
+                    <a:srgbClr val="000000">
+                      <a:alpha val="43137"/>
+                    </a:srgbClr>
+                  </a:outerShdw>
+                </a:effectLst>
+              </a:rPr>
               <a:t>reference</a:t>
             </a:r>
             <a:r>
@@ -7398,6 +7451,44 @@
           <a:p>
             <a:pPr algn="ctr"/>
             <a:endParaRPr lang="zh-TW" altLang="en-US"/>
+          </a:p>
+        </p:txBody>
+      </p:sp>
+      <p:sp>
+        <p:nvSpPr>
+          <p:cNvPr id="114" name="文字方塊 113"/>
+          <p:cNvSpPr txBox="1"/>
+          <p:nvPr/>
+        </p:nvSpPr>
+        <p:spPr>
+          <a:xfrm>
+            <a:off x="7898070" y="2927817"/>
+            <a:ext cx="966007" cy="369332"/>
+          </a:xfrm>
+          <a:prstGeom prst="rect">
+            <a:avLst/>
+          </a:prstGeom>
+          <a:noFill/>
+        </p:spPr>
+        <p:txBody>
+          <a:bodyPr wrap="square" rtlCol="0">
+            <a:spAutoFit/>
+          </a:bodyPr>
+          <a:lstStyle/>
+          <a:p>
+            <a:r>
+              <a:rPr lang="zh-TW" altLang="en-US" dirty="0" smtClean="0"/>
+              <a:t>第</a:t>
+            </a:r>
+            <a:r>
+              <a:rPr lang="en-US" altLang="zh-TW" dirty="0" smtClean="0"/>
+              <a:t>n</a:t>
+            </a:r>
+            <a:r>
+              <a:rPr lang="zh-TW" altLang="en-US" dirty="0" smtClean="0"/>
+              <a:t>批</a:t>
+            </a:r>
+            <a:endParaRPr lang="zh-TW" altLang="en-US" dirty="0"/>
           </a:p>
         </p:txBody>
       </p:sp>
